--- a/images/Workflow.pptx
+++ b/images/Workflow.pptx
@@ -2984,6 +2984,60 @@
           <a:chExt cx="0" cy="0"/>
         </a:xfrm>
       </p:grpSpPr>
+      <p:sp>
+        <p:nvSpPr>
+          <p:cNvPr id="2" name="矩形 1">
+            <a:extLst>
+              <a:ext uri="{FF2B5EF4-FFF2-40B4-BE49-F238E27FC236}">
+                <a16:creationId xmlns:a16="http://schemas.microsoft.com/office/drawing/2014/main" id="{C42BD9DC-0408-4AAA-81C0-02EC8B4953C3}"/>
+              </a:ext>
+            </a:extLst>
+          </p:cNvPr>
+          <p:cNvSpPr/>
+          <p:nvPr/>
+        </p:nvSpPr>
+        <p:spPr>
+          <a:xfrm>
+            <a:off x="0" y="-1"/>
+            <a:ext cx="12192000" cy="6884883"/>
+          </a:xfrm>
+          <a:prstGeom prst="rect">
+            <a:avLst/>
+          </a:prstGeom>
+          <a:solidFill>
+            <a:schemeClr val="bg1"/>
+          </a:solidFill>
+          <a:ln>
+            <a:solidFill>
+              <a:schemeClr val="tx1"/>
+            </a:solidFill>
+          </a:ln>
+        </p:spPr>
+        <p:style>
+          <a:lnRef idx="2">
+            <a:schemeClr val="accent1">
+              <a:shade val="50000"/>
+            </a:schemeClr>
+          </a:lnRef>
+          <a:fillRef idx="1">
+            <a:schemeClr val="accent1"/>
+          </a:fillRef>
+          <a:effectRef idx="0">
+            <a:schemeClr val="accent1"/>
+          </a:effectRef>
+          <a:fontRef idx="minor">
+            <a:schemeClr val="lt1"/>
+          </a:fontRef>
+        </p:style>
+        <p:txBody>
+          <a:bodyPr rtlCol="0" anchor="ctr"/>
+          <a:lstStyle/>
+          <a:p>
+            <a:pPr algn="ctr"/>
+            <a:endParaRPr lang="zh-TW" altLang="en-US"/>
+          </a:p>
+        </p:txBody>
+      </p:sp>
       <p:pic>
         <p:nvPicPr>
           <p:cNvPr id="5" name="圖形 4" descr="資料庫">

--- a/images/Workflow.pptx
+++ b/images/Workflow.pptx
@@ -3005,7 +3005,9 @@
             <a:avLst/>
           </a:prstGeom>
           <a:solidFill>
-            <a:schemeClr val="bg1"/>
+            <a:schemeClr val="bg1">
+              <a:lumMod val="85000"/>
+            </a:schemeClr>
           </a:solidFill>
           <a:ln>
             <a:solidFill>
@@ -3938,6 +3940,52 @@
           <p:blipFill rotWithShape="1">
             <a:blip r:embed="rId14">
               <a:extLst>
+                <a:ext uri="{BEBA8EAE-BF5A-486C-A8C5-ECC9F3942E4B}">
+                  <a14:imgProps xmlns:a14="http://schemas.microsoft.com/office/drawing/2010/main">
+                    <a14:imgLayer r:embed="rId15">
+                      <a14:imgEffect>
+                        <a14:backgroundRemoval t="23407" b="76148" l="21500" r="78250">
+                          <a14:foregroundMark x1="51167" y1="25333" x2="51167" y2="25333"/>
+                          <a14:foregroundMark x1="48333" y1="25778" x2="48333" y2="25778"/>
+                          <a14:foregroundMark x1="24167" y1="63556" x2="24167" y2="63556"/>
+                          <a14:foregroundMark x1="30000" y1="67407" x2="30000" y2="67407"/>
+                          <a14:foregroundMark x1="28750" y1="67407" x2="27833" y2="67556"/>
+                          <a14:foregroundMark x1="24250" y1="63704" x2="24167" y2="70963"/>
+                          <a14:foregroundMark x1="21500" y1="64148" x2="23417" y2="64000"/>
+                          <a14:foregroundMark x1="35500" y1="67852" x2="36833" y2="68148"/>
+                          <a14:foregroundMark x1="40083" y1="67852" x2="42333" y2="67259"/>
+                          <a14:foregroundMark x1="47938" y1="68543" x2="48667" y2="68148"/>
+                          <a14:foregroundMark x1="46750" y1="69185" x2="47102" y2="68995"/>
+                          <a14:foregroundMark x1="52667" y1="69037" x2="53083" y2="69037"/>
+                          <a14:foregroundMark x1="56583" y1="64296" x2="56917" y2="67111"/>
+                          <a14:foregroundMark x1="62417" y1="65185" x2="62583" y2="67704"/>
+                          <a14:foregroundMark x1="67083" y1="67556" x2="68333" y2="68296"/>
+                          <a14:foregroundMark x1="71833" y1="68148" x2="72333" y2="71111"/>
+                          <a14:foregroundMark x1="78250" y1="68889" x2="77000" y2="76296"/>
+                          <a14:foregroundMark x1="50917" y1="23407" x2="51250" y2="24296"/>
+                          <a14:foregroundMark x1="43833" y1="29926" x2="45083" y2="30074"/>
+                          <a14:foregroundMark x1="30833" y1="69481" x2="31083" y2="70815"/>
+                          <a14:foregroundMark x1="33750" y1="71704" x2="33917" y2="73926"/>
+                          <a14:foregroundMark x1="26833" y1="71704" x2="29167" y2="71704"/>
+                          <a14:foregroundMark x1="40000" y1="70222" x2="40667" y2="71111"/>
+                          <a14:foregroundMark x1="45667" y1="71111" x2="46083" y2="73926"/>
+                          <a14:foregroundMark x1="56917" y1="68741" x2="56917" y2="72148"/>
+                          <a14:foregroundMark x1="74667" y1="70222" x2="74083" y2="71704"/>
+                          <a14:foregroundMark x1="52583" y1="69630" x2="52500" y2="74815"/>
+                          <a14:foregroundMark x1="41917" y1="72000" x2="43333" y2="72889"/>
+                          <a14:foregroundMark x1="66083" y1="68148" x2="65667" y2="70222"/>
+                          <a14:backgroundMark x1="47417" y1="68741" x2="47417" y2="68741"/>
+                          <a14:backgroundMark x1="47000" y1="69333" x2="47833" y2="68889"/>
+                          <a14:backgroundMark x1="47000" y1="68889" x2="47000" y2="68889"/>
+                          <a14:backgroundMark x1="47917" y1="68593" x2="47917" y2="68593"/>
+                          <a14:backgroundMark x1="47250" y1="68889" x2="47250" y2="68889"/>
+                          <a14:backgroundMark x1="46750" y1="69333" x2="46750" y2="69333"/>
+                          <a14:backgroundMark x1="46833" y1="69185" x2="46833" y2="69185"/>
+                        </a14:backgroundRemoval>
+                      </a14:imgEffect>
+                    </a14:imgLayer>
+                  </a14:imgProps>
+                </a:ext>
                 <a:ext uri="{28A0092B-C50C-407E-A947-70E740481C1C}">
                   <a14:useLocalDpi xmlns:a14="http://schemas.microsoft.com/office/drawing/2010/main" val="0"/>
                 </a:ext>
